--- a/현경님 홈플러스 장바구니 목록.pptx
+++ b/현경님 홈플러스 장바구니 목록.pptx
@@ -12,7 +12,8 @@
     <p:sldId id="260" r:id="rId6"/>
     <p:sldId id="261" r:id="rId7"/>
     <p:sldId id="262" r:id="rId8"/>
-    <p:sldId id="263" r:id="rId9"/>
+    <p:sldId id="264" r:id="rId9"/>
+    <p:sldId id="263" r:id="rId10"/>
   </p:sldIdLst>
   <p:sldSz cx="12192000" cy="6858000"/>
   <p:notesSz cx="6858000" cy="9144000"/>
@@ -5457,6 +5458,124 @@
         <p:cNvPr id="1" name="">
           <a:extLst>
             <a:ext uri="{FF2B5EF4-FFF2-40B4-BE49-F238E27FC236}">
+              <a16:creationId xmlns:a16="http://schemas.microsoft.com/office/drawing/2014/main" id="{C2A94C60-B5CE-C743-9554-28D34E9C26C4}"/>
+            </a:ext>
+          </a:extLst>
+        </p:cNvPr>
+        <p:cNvGrpSpPr/>
+        <p:nvPr/>
+      </p:nvGrpSpPr>
+      <p:grpSpPr>
+        <a:xfrm>
+          <a:off x="0" y="0"/>
+          <a:ext cx="0" cy="0"/>
+          <a:chOff x="0" y="0"/>
+          <a:chExt cx="0" cy="0"/>
+        </a:xfrm>
+      </p:grpSpPr>
+      <p:sp>
+        <p:nvSpPr>
+          <p:cNvPr id="5" name="직사각형 4">
+            <a:extLst>
+              <a:ext uri="{FF2B5EF4-FFF2-40B4-BE49-F238E27FC236}">
+                <a16:creationId xmlns:a16="http://schemas.microsoft.com/office/drawing/2014/main" id="{1E43623F-4AF8-C817-91B0-6492A1264C7B}"/>
+              </a:ext>
+            </a:extLst>
+          </p:cNvPr>
+          <p:cNvSpPr/>
+          <p:nvPr/>
+        </p:nvSpPr>
+        <p:spPr>
+          <a:xfrm>
+            <a:off x="3289853" y="3965713"/>
+            <a:ext cx="1272208" cy="178904"/>
+          </a:xfrm>
+          <a:prstGeom prst="rect">
+            <a:avLst/>
+          </a:prstGeom>
+          <a:solidFill>
+            <a:schemeClr val="bg1"/>
+          </a:solidFill>
+          <a:ln>
+            <a:noFill/>
+          </a:ln>
+        </p:spPr>
+        <p:style>
+          <a:lnRef idx="2">
+            <a:schemeClr val="accent1">
+              <a:shade val="15000"/>
+            </a:schemeClr>
+          </a:lnRef>
+          <a:fillRef idx="1">
+            <a:schemeClr val="accent1"/>
+          </a:fillRef>
+          <a:effectRef idx="0">
+            <a:schemeClr val="accent1"/>
+          </a:effectRef>
+          <a:fontRef idx="minor">
+            <a:schemeClr val="lt1"/>
+          </a:fontRef>
+        </p:style>
+        <p:txBody>
+          <a:bodyPr rtlCol="0" anchor="ctr"/>
+          <a:lstStyle/>
+          <a:p>
+            <a:pPr algn="ctr"/>
+            <a:endParaRPr lang="ko-KR" altLang="en-US"/>
+          </a:p>
+        </p:txBody>
+      </p:sp>
+      <p:pic>
+        <p:nvPicPr>
+          <p:cNvPr id="4" name="그림 3">
+            <a:extLst>
+              <a:ext uri="{FF2B5EF4-FFF2-40B4-BE49-F238E27FC236}">
+                <a16:creationId xmlns:a16="http://schemas.microsoft.com/office/drawing/2014/main" id="{96983F1F-A774-791D-FA05-DD5264AC1573}"/>
+              </a:ext>
+            </a:extLst>
+          </p:cNvPr>
+          <p:cNvPicPr>
+            <a:picLocks noChangeAspect="1"/>
+          </p:cNvPicPr>
+          <p:nvPr/>
+        </p:nvPicPr>
+        <p:blipFill>
+          <a:blip r:embed="rId2"/>
+          <a:stretch>
+            <a:fillRect/>
+          </a:stretch>
+        </p:blipFill>
+        <p:spPr>
+          <a:xfrm>
+            <a:off x="1028372" y="567882"/>
+            <a:ext cx="10135255" cy="5722236"/>
+          </a:xfrm>
+          <a:prstGeom prst="rect">
+            <a:avLst/>
+          </a:prstGeom>
+        </p:spPr>
+      </p:pic>
+    </p:spTree>
+    <p:extLst>
+      <p:ext uri="{BB962C8B-B14F-4D97-AF65-F5344CB8AC3E}">
+        <p14:creationId xmlns:p14="http://schemas.microsoft.com/office/powerpoint/2010/main" val="3612874360"/>
+      </p:ext>
+    </p:extLst>
+  </p:cSld>
+  <p:clrMapOvr>
+    <a:masterClrMapping/>
+  </p:clrMapOvr>
+</p:sld>
+</file>
+
+<file path=ppt/slides/slide9.xml><?xml version="1.0" encoding="utf-8"?>
+<p:sld xmlns:a="http://schemas.openxmlformats.org/drawingml/2006/main" xmlns:r="http://schemas.openxmlformats.org/officeDocument/2006/relationships" xmlns:p="http://schemas.openxmlformats.org/presentationml/2006/main">
+  <p:cSld>
+    <p:spTree>
+      <p:nvGrpSpPr>
+        <p:cNvPr id="1" name="">
+          <a:extLst>
+            <a:ext uri="{FF2B5EF4-FFF2-40B4-BE49-F238E27FC236}">
               <a16:creationId xmlns:a16="http://schemas.microsoft.com/office/drawing/2014/main" id="{CFF333AD-7EB3-DE55-1480-F10615753DED}"/>
             </a:ext>
           </a:extLst>

--- a/현경님 홈플러스 장바구니 목록.pptx
+++ b/현경님 홈플러스 장바구니 목록.pptx
@@ -4973,8 +4973,8 @@
               <a:t>: </a:t>
             </a:r>
             <a:r>
-              <a:rPr lang="ko-KR" altLang="en-US" dirty="0" err="1"/>
-              <a:t>김현경님</a:t>
+              <a:rPr lang="ko-KR" altLang="en-US" dirty="0"/>
+              <a:t>이현경님</a:t>
             </a:r>
             <a:endParaRPr lang="en-US" altLang="ko-KR" dirty="0"/>
           </a:p>
